--- a/Day_3_BasicStatistics/01. BasicStatistics.pptx
+++ b/Day_3_BasicStatistics/01. BasicStatistics.pptx
@@ -229,7 +229,7 @@
           <a:p>
             <a:fld id="{88D14CBC-1897-48E2-A929-A9873B7AFEDF}" type="datetimeFigureOut">
               <a:rPr lang="en-US" smtClean="0"/>
-              <a:t>12/22/2019</a:t>
+              <a:t>12/28/2019</a:t>
             </a:fld>
             <a:endParaRPr lang="en-US" dirty="0"/>
           </a:p>
@@ -628,7 +628,7 @@
           <a:p>
             <a:fld id="{01247D19-6911-4285-8BC6-2DDC48D56EA1}" type="datetimeFigureOut">
               <a:rPr lang="en-US" smtClean="0"/>
-              <a:t>12/22/2019</a:t>
+              <a:t>12/28/2019</a:t>
             </a:fld>
             <a:endParaRPr lang="en-US" dirty="0"/>
           </a:p>
@@ -798,7 +798,7 @@
           <a:p>
             <a:fld id="{01247D19-6911-4285-8BC6-2DDC48D56EA1}" type="datetimeFigureOut">
               <a:rPr lang="en-US" smtClean="0"/>
-              <a:t>12/22/2019</a:t>
+              <a:t>12/28/2019</a:t>
             </a:fld>
             <a:endParaRPr lang="en-US" dirty="0"/>
           </a:p>
@@ -978,7 +978,7 @@
           <a:p>
             <a:fld id="{01247D19-6911-4285-8BC6-2DDC48D56EA1}" type="datetimeFigureOut">
               <a:rPr lang="en-US" smtClean="0"/>
-              <a:t>12/22/2019</a:t>
+              <a:t>12/28/2019</a:t>
             </a:fld>
             <a:endParaRPr lang="en-US" dirty="0"/>
           </a:p>
@@ -1148,7 +1148,7 @@
           <a:p>
             <a:fld id="{01247D19-6911-4285-8BC6-2DDC48D56EA1}" type="datetimeFigureOut">
               <a:rPr lang="en-US" smtClean="0"/>
-              <a:t>12/22/2019</a:t>
+              <a:t>12/28/2019</a:t>
             </a:fld>
             <a:endParaRPr lang="en-US" dirty="0"/>
           </a:p>
@@ -1394,7 +1394,7 @@
           <a:p>
             <a:fld id="{01247D19-6911-4285-8BC6-2DDC48D56EA1}" type="datetimeFigureOut">
               <a:rPr lang="en-US" smtClean="0"/>
-              <a:t>12/22/2019</a:t>
+              <a:t>12/28/2019</a:t>
             </a:fld>
             <a:endParaRPr lang="en-US" dirty="0"/>
           </a:p>
@@ -1626,7 +1626,7 @@
           <a:p>
             <a:fld id="{01247D19-6911-4285-8BC6-2DDC48D56EA1}" type="datetimeFigureOut">
               <a:rPr lang="en-US" smtClean="0"/>
-              <a:t>12/22/2019</a:t>
+              <a:t>12/28/2019</a:t>
             </a:fld>
             <a:endParaRPr lang="en-US" dirty="0"/>
           </a:p>
@@ -1993,7 +1993,7 @@
           <a:p>
             <a:fld id="{01247D19-6911-4285-8BC6-2DDC48D56EA1}" type="datetimeFigureOut">
               <a:rPr lang="en-US" smtClean="0"/>
-              <a:t>12/22/2019</a:t>
+              <a:t>12/28/2019</a:t>
             </a:fld>
             <a:endParaRPr lang="en-US" dirty="0"/>
           </a:p>
@@ -2111,7 +2111,7 @@
           <a:p>
             <a:fld id="{01247D19-6911-4285-8BC6-2DDC48D56EA1}" type="datetimeFigureOut">
               <a:rPr lang="en-US" smtClean="0"/>
-              <a:t>12/22/2019</a:t>
+              <a:t>12/28/2019</a:t>
             </a:fld>
             <a:endParaRPr lang="en-US" dirty="0"/>
           </a:p>
@@ -2206,7 +2206,7 @@
           <a:p>
             <a:fld id="{01247D19-6911-4285-8BC6-2DDC48D56EA1}" type="datetimeFigureOut">
               <a:rPr lang="en-US" smtClean="0"/>
-              <a:t>12/22/2019</a:t>
+              <a:t>12/28/2019</a:t>
             </a:fld>
             <a:endParaRPr lang="en-US" dirty="0"/>
           </a:p>
@@ -2483,7 +2483,7 @@
           <a:p>
             <a:fld id="{01247D19-6911-4285-8BC6-2DDC48D56EA1}" type="datetimeFigureOut">
               <a:rPr lang="en-US" smtClean="0"/>
-              <a:t>12/22/2019</a:t>
+              <a:t>12/28/2019</a:t>
             </a:fld>
             <a:endParaRPr lang="en-US" dirty="0"/>
           </a:p>
@@ -2736,7 +2736,7 @@
           <a:p>
             <a:fld id="{01247D19-6911-4285-8BC6-2DDC48D56EA1}" type="datetimeFigureOut">
               <a:rPr lang="en-US" smtClean="0"/>
-              <a:t>12/22/2019</a:t>
+              <a:t>12/28/2019</a:t>
             </a:fld>
             <a:endParaRPr lang="en-US" dirty="0"/>
           </a:p>
@@ -2949,7 +2949,7 @@
           <a:p>
             <a:fld id="{01247D19-6911-4285-8BC6-2DDC48D56EA1}" type="datetimeFigureOut">
               <a:rPr lang="en-US" smtClean="0"/>
-              <a:t>12/22/2019</a:t>
+              <a:t>12/28/2019</a:t>
             </a:fld>
             <a:endParaRPr lang="en-US" dirty="0"/>
           </a:p>
@@ -5594,7 +5594,22 @@
               <a:rPr lang="en-US" sz="1800" dirty="0">
                 <a:hlinkClick r:id="rId3"/>
               </a:rPr>
-              <a:t>https://codeburst.io/2-important-statistics-terms-you-need-to-know-in-data-science-skewness-and-kurtosis-388fef94eeaa</a:t>
+              <a:t>https://</a:t>
+            </a:r>
+            <a:r>
+              <a:rPr lang="en-US" sz="1800" dirty="0" smtClean="0">
+                <a:hlinkClick r:id="rId3"/>
+              </a:rPr>
+              <a:t>codeburst.io/2-important-statistics-terms-you-need-to-know-in-data-science-skewness-and-kurtosis-388fef94eeaa</a:t>
+            </a:r>
+            <a:endParaRPr lang="en-US" sz="1800" dirty="0" smtClean="0"/>
+          </a:p>
+          <a:p>
+            <a:r>
+              <a:rPr lang="en-US" sz="1800">
+                <a:hlinkClick r:id="rId4"/>
+              </a:rPr>
+              <a:t>https://stats.stackexchange.com/questions/69744/why-at-all-consider-sampling-without-replacement-in-a-practical-application</a:t>
             </a:r>
             <a:endParaRPr lang="en-US" sz="1800" dirty="0" smtClean="0"/>
           </a:p>
